--- a/Progetto Big Data/Relazione.pptx
+++ b/Progetto Big Data/Relazione.pptx
@@ -2905,7 +2905,28 @@
                 <a:latin typeface="Times New Roman" panose="02020603050405020304" pitchFamily="18" charset="0"/>
                 <a:cs typeface="Times New Roman" panose="02020603050405020304" pitchFamily="18" charset="0"/>
               </a:rPr>
-              <a:t>I dati ci spiegano quali possano essere le altre cause dei fenomeni migratori fenomeni. La differenza più evidente tra il </a:t>
+              <a:t>I dati ci </a:t>
+            </a:r>
+            <a:r>
+              <a:rPr lang="it-IT" dirty="0">
+                <a:solidFill>
+                  <a:srgbClr val="374151"/>
+                </a:solidFill>
+                <a:latin typeface="Times New Roman" panose="02020603050405020304" pitchFamily="18" charset="0"/>
+                <a:cs typeface="Times New Roman" panose="02020603050405020304" pitchFamily="18" charset="0"/>
+              </a:rPr>
+              <a:t>illustrano</a:t>
+            </a:r>
+            <a:r>
+              <a:rPr lang="it-IT" b="0" i="0" dirty="0">
+                <a:solidFill>
+                  <a:srgbClr val="374151"/>
+                </a:solidFill>
+                <a:effectLst/>
+                <a:latin typeface="Times New Roman" panose="02020603050405020304" pitchFamily="18" charset="0"/>
+                <a:cs typeface="Times New Roman" panose="02020603050405020304" pitchFamily="18" charset="0"/>
+              </a:rPr>
+              <a:t> quali possano essere le altre cause dei fenomeni migratori La differenza più evidente tra il </a:t>
             </a:r>
             <a:r>
               <a:rPr lang="it-IT" b="1" i="0" dirty="0">
@@ -2952,14 +2973,25 @@
               <a:t> </a:t>
             </a:r>
             <a:r>
-              <a:rPr lang="it-IT" dirty="0">
+              <a:rPr lang="it-IT">
                 <a:solidFill>
                   <a:srgbClr val="374151"/>
                 </a:solidFill>
                 <a:latin typeface="Times New Roman" panose="02020603050405020304" pitchFamily="18" charset="0"/>
                 <a:cs typeface="Times New Roman" panose="02020603050405020304" pitchFamily="18" charset="0"/>
               </a:rPr>
-              <a:t>è il tasso di </a:t>
+              <a:t>è l’</a:t>
+            </a:r>
+            <a:r>
+              <a:rPr lang="it-IT" b="0" i="0">
+                <a:solidFill>
+                  <a:srgbClr val="374151"/>
+                </a:solidFill>
+                <a:effectLst/>
+                <a:latin typeface="Times New Roman" panose="02020603050405020304" pitchFamily="18" charset="0"/>
+                <a:cs typeface="Times New Roman" panose="02020603050405020304" pitchFamily="18" charset="0"/>
+              </a:rPr>
+              <a:t>emigrazione </a:t>
             </a:r>
             <a:r>
               <a:rPr lang="it-IT" b="0" i="0" dirty="0">
@@ -2970,7 +3002,7 @@
                 <a:latin typeface="Times New Roman" panose="02020603050405020304" pitchFamily="18" charset="0"/>
                 <a:cs typeface="Times New Roman" panose="02020603050405020304" pitchFamily="18" charset="0"/>
               </a:rPr>
-              <a:t>emigrazione e di disoccupazione</a:t>
+              <a:t>e la correlazione con il tasso di disoccupazione</a:t>
             </a:r>
             <a:r>
               <a:rPr lang="it-IT" dirty="0">
